--- a/ppt/06.模型选择.pptx
+++ b/ppt/06.模型选择.pptx
@@ -199,7 +199,7 @@
           <a:p>
             <a:fld id="{DACACA31-A8D1-C749-B637-11AA2950D448}" type="datetimeFigureOut">
               <a:rPr lang="en-US" smtClean="0"/>
-              <a:t>3/15/24</a:t>
+              <a:t>3/29/24</a:t>
             </a:fld>
             <a:endParaRPr lang="en-US"/>
           </a:p>
@@ -603,7 +603,7 @@
           <a:p>
             <a:fld id="{96C716C6-330E-FB4E-98B0-A511746D665E}" type="datetimeFigureOut">
               <a:rPr lang="en-US" smtClean="0"/>
-              <a:t>3/15/24</a:t>
+              <a:t>3/29/24</a:t>
             </a:fld>
             <a:endParaRPr lang="en-US"/>
           </a:p>
@@ -879,7 +879,7 @@
           <a:p>
             <a:fld id="{96C716C6-330E-FB4E-98B0-A511746D665E}" type="datetimeFigureOut">
               <a:rPr lang="en-US" smtClean="0"/>
-              <a:t>3/15/24</a:t>
+              <a:t>3/29/24</a:t>
             </a:fld>
             <a:endParaRPr lang="en-US"/>
           </a:p>
@@ -1071,7 +1071,7 @@
           <a:p>
             <a:fld id="{96C716C6-330E-FB4E-98B0-A511746D665E}" type="datetimeFigureOut">
               <a:rPr lang="en-US" smtClean="0"/>
-              <a:t>3/15/24</a:t>
+              <a:t>3/29/24</a:t>
             </a:fld>
             <a:endParaRPr lang="en-US"/>
           </a:p>
@@ -1273,7 +1273,7 @@
           <a:p>
             <a:fld id="{96C716C6-330E-FB4E-98B0-A511746D665E}" type="datetimeFigureOut">
               <a:rPr lang="en-US" smtClean="0"/>
-              <a:t>3/15/24</a:t>
+              <a:t>3/29/24</a:t>
             </a:fld>
             <a:endParaRPr lang="en-US"/>
           </a:p>
@@ -1465,7 +1465,7 @@
           <a:p>
             <a:fld id="{96C716C6-330E-FB4E-98B0-A511746D665E}" type="datetimeFigureOut">
               <a:rPr lang="en-US" smtClean="0"/>
-              <a:t>3/15/24</a:t>
+              <a:t>3/29/24</a:t>
             </a:fld>
             <a:endParaRPr lang="en-US"/>
           </a:p>
@@ -1713,7 +1713,7 @@
           <a:p>
             <a:fld id="{96C716C6-330E-FB4E-98B0-A511746D665E}" type="datetimeFigureOut">
               <a:rPr lang="en-US" smtClean="0"/>
-              <a:t>3/15/24</a:t>
+              <a:t>3/29/24</a:t>
             </a:fld>
             <a:endParaRPr lang="en-US"/>
           </a:p>
@@ -1977,7 +1977,7 @@
           <a:p>
             <a:fld id="{96C716C6-330E-FB4E-98B0-A511746D665E}" type="datetimeFigureOut">
               <a:rPr lang="en-US" smtClean="0"/>
-              <a:t>3/15/24</a:t>
+              <a:t>3/29/24</a:t>
             </a:fld>
             <a:endParaRPr lang="en-US"/>
           </a:p>
@@ -2230,7 +2230,7 @@
           <a:p>
             <a:fld id="{96C716C6-330E-FB4E-98B0-A511746D665E}" type="datetimeFigureOut">
               <a:rPr lang="en-US" smtClean="0"/>
-              <a:t>3/15/24</a:t>
+              <a:t>3/29/24</a:t>
             </a:fld>
             <a:endParaRPr lang="en-US"/>
           </a:p>
@@ -2618,7 +2618,7 @@
           <a:p>
             <a:fld id="{96C716C6-330E-FB4E-98B0-A511746D665E}" type="datetimeFigureOut">
               <a:rPr lang="en-US" smtClean="0"/>
-              <a:t>3/15/24</a:t>
+              <a:t>3/29/24</a:t>
             </a:fld>
             <a:endParaRPr lang="en-US"/>
           </a:p>
@@ -2759,7 +2759,7 @@
           <a:p>
             <a:fld id="{96C716C6-330E-FB4E-98B0-A511746D665E}" type="datetimeFigureOut">
               <a:rPr lang="en-US" smtClean="0"/>
-              <a:t>3/15/24</a:t>
+              <a:t>3/29/24</a:t>
             </a:fld>
             <a:endParaRPr lang="en-US"/>
           </a:p>
@@ -2878,7 +2878,7 @@
           <a:p>
             <a:fld id="{96C716C6-330E-FB4E-98B0-A511746D665E}" type="datetimeFigureOut">
               <a:rPr lang="en-US" smtClean="0"/>
-              <a:t>3/15/24</a:t>
+              <a:t>3/29/24</a:t>
             </a:fld>
             <a:endParaRPr lang="en-US"/>
           </a:p>
@@ -3177,7 +3177,7 @@
           <a:p>
             <a:fld id="{96C716C6-330E-FB4E-98B0-A511746D665E}" type="datetimeFigureOut">
               <a:rPr lang="en-US" smtClean="0"/>
-              <a:t>3/15/24</a:t>
+              <a:t>3/29/24</a:t>
             </a:fld>
             <a:endParaRPr lang="en-US"/>
           </a:p>
@@ -3804,7 +3804,7 @@
                 <a:ea typeface="Microsoft YaHei" charset="-122"/>
                 <a:cs typeface="Microsoft YaHei" charset="-122"/>
               </a:rPr>
-              <a:t>二分类 </a:t>
+              <a:t>模型选择 </a:t>
             </a:r>
             <a:r>
               <a:rPr lang="en-US" altLang="zh-CN" sz="3200" dirty="0">
@@ -3814,27 +3814,7 @@
                 <a:latin typeface="Pristina" panose="020F0502020204030204" pitchFamily="34" charset="0"/>
                 <a:cs typeface="Pristina" panose="020F0502020204030204" pitchFamily="34" charset="0"/>
               </a:rPr>
-              <a:t>Binary</a:t>
-            </a:r>
-            <a:r>
-              <a:rPr lang="zh-CN" altLang="en-US" sz="3200" dirty="0">
-                <a:solidFill>
-                  <a:srgbClr val="0070C0"/>
-                </a:solidFill>
-                <a:latin typeface="Pristina" panose="020F0502020204030204" pitchFamily="34" charset="0"/>
-                <a:cs typeface="Pristina" panose="020F0502020204030204" pitchFamily="34" charset="0"/>
-              </a:rPr>
-              <a:t> </a:t>
-            </a:r>
-            <a:r>
-              <a:rPr lang="en-US" altLang="zh-CN" sz="3200" dirty="0">
-                <a:solidFill>
-                  <a:srgbClr val="0070C0"/>
-                </a:solidFill>
-                <a:latin typeface="Pristina" panose="020F0502020204030204" pitchFamily="34" charset="0"/>
-                <a:cs typeface="Pristina" panose="020F0502020204030204" pitchFamily="34" charset="0"/>
-              </a:rPr>
-              <a:t>Classification</a:t>
+              <a:t>Modeling</a:t>
             </a:r>
             <a:endParaRPr lang="en-US" sz="3200" b="1" dirty="0">
               <a:latin typeface="Microsoft YaHei" charset="-122"/>
@@ -3882,46 +3862,6 @@
             </a:endParaRPr>
           </a:p>
           <a:p>
-            <a:pPr algn="l"/>
-            <a:r>
-              <a:rPr lang="zh-CN" altLang="en-US" sz="1800" dirty="0">
-                <a:solidFill>
-                  <a:schemeClr val="bg1">
-                    <a:lumMod val="50000"/>
-                  </a:schemeClr>
-                </a:solidFill>
-                <a:latin typeface="Kaiti TC" panose="02010600040101010101" pitchFamily="2" charset="-120"/>
-                <a:ea typeface="Kaiti TC" panose="02010600040101010101" pitchFamily="2" charset="-120"/>
-                <a:cs typeface="Chalkboard" charset="0"/>
-              </a:rPr>
-              <a:t>　　竹外桃花三两枝，春江水暖鸭先知。</a:t>
-            </a:r>
-            <a:endParaRPr lang="en-US" altLang="zh-CN" sz="1800" dirty="0">
-              <a:solidFill>
-                <a:schemeClr val="bg1">
-                  <a:lumMod val="50000"/>
-                </a:schemeClr>
-              </a:solidFill>
-              <a:latin typeface="Kaiti TC" panose="02010600040101010101" pitchFamily="2" charset="-120"/>
-              <a:ea typeface="Kaiti TC" panose="02010600040101010101" pitchFamily="2" charset="-120"/>
-              <a:cs typeface="Chalkboard" charset="0"/>
-            </a:endParaRPr>
-          </a:p>
-          <a:p>
-            <a:pPr algn="l"/>
-            <a:r>
-              <a:rPr lang="zh-CN" altLang="en-US" sz="1800" dirty="0">
-                <a:solidFill>
-                  <a:schemeClr val="bg1">
-                    <a:lumMod val="50000"/>
-                  </a:schemeClr>
-                </a:solidFill>
-                <a:latin typeface="Kaiti TC" panose="02010600040101010101" pitchFamily="2" charset="-120"/>
-                <a:ea typeface="Kaiti TC" panose="02010600040101010101" pitchFamily="2" charset="-120"/>
-                <a:cs typeface="Chalkboard" charset="0"/>
-              </a:rPr>
-              <a:t>　　　　　　　　　　　　　　　　　　　　　　　　　</a:t>
-            </a:r>
             <a:r>
               <a:rPr lang="en-US" altLang="zh-CN" sz="1800" dirty="0">
                 <a:solidFill>
@@ -3946,46 +3886,7 @@
                 <a:ea typeface="Kaiti TC" panose="02010600040101010101" pitchFamily="2" charset="-120"/>
                 <a:cs typeface="Chalkboard" charset="0"/>
               </a:rPr>
-              <a:t>苏轼</a:t>
-            </a:r>
-            <a:r>
-              <a:rPr lang="en-US" altLang="zh-CN" sz="1800" dirty="0">
-                <a:solidFill>
-                  <a:schemeClr val="bg1">
-                    <a:lumMod val="50000"/>
-                  </a:schemeClr>
-                </a:solidFill>
-                <a:latin typeface="Kaiti TC" panose="02010600040101010101" pitchFamily="2" charset="-120"/>
-                <a:ea typeface="Kaiti TC" panose="02010600040101010101" pitchFamily="2" charset="-120"/>
-                <a:cs typeface="Chalkboard" charset="0"/>
-              </a:rPr>
-              <a:t>《</a:t>
-            </a:r>
-            <a:r>
-              <a:rPr lang="zh-CN" altLang="en-US" sz="1800" dirty="0">
-                <a:solidFill>
-                  <a:schemeClr val="bg1">
-                    <a:lumMod val="50000"/>
-                  </a:schemeClr>
-                </a:solidFill>
-                <a:latin typeface="Kaiti TC" panose="02010600040101010101" pitchFamily="2" charset="-120"/>
-                <a:ea typeface="Kaiti TC" panose="02010600040101010101" pitchFamily="2" charset="-120"/>
-                <a:cs typeface="Chalkboard" charset="0"/>
-              </a:rPr>
-              <a:t>惠崇春江晚景</a:t>
-            </a:r>
-            <a:r>
-              <a:rPr lang="en-US" altLang="zh-CN" sz="1800" dirty="0">
-                <a:solidFill>
-                  <a:schemeClr val="bg1">
-                    <a:lumMod val="50000"/>
-                  </a:schemeClr>
-                </a:solidFill>
-                <a:latin typeface="Kaiti TC" panose="02010600040101010101" pitchFamily="2" charset="-120"/>
-                <a:ea typeface="Kaiti TC" panose="02010600040101010101" pitchFamily="2" charset="-120"/>
-                <a:cs typeface="Chalkboard" charset="0"/>
-              </a:rPr>
-              <a:t>》</a:t>
+              <a:t>以集成学习为主</a:t>
             </a:r>
             <a:endParaRPr lang="en-US" sz="1800" dirty="0">
               <a:solidFill>
@@ -4077,7 +3978,7 @@
           <a:lstStyle/>
           <a:p>
             <a:r>
-              <a:rPr lang="zh-CN" altLang="en-US" b="1">
+              <a:rPr lang="zh-CN" altLang="en-US" b="1" dirty="0">
                 <a:solidFill>
                   <a:schemeClr val="accent2">
                     <a:lumMod val="75000"/>
@@ -4087,9 +3988,22 @@
                 <a:ea typeface="Chalkboard" charset="0"/>
                 <a:cs typeface="Chalkboard" charset="0"/>
               </a:rPr>
-              <a:t>对比案例</a:t>
-            </a:r>
-            <a:endParaRPr lang="en-US" altLang="zh-CN" b="1" dirty="0">
+              <a:t>模型</a:t>
+            </a:r>
+            <a:r>
+              <a:rPr lang="zh-CN" altLang="en-CN" b="1" dirty="0">
+                <a:solidFill>
+                  <a:schemeClr val="accent2">
+                    <a:lumMod val="75000"/>
+                  </a:schemeClr>
+                </a:solidFill>
+                <a:latin typeface="Chalkboard" charset="0"/>
+                <a:ea typeface="Chalkboard" charset="0"/>
+                <a:cs typeface="Chalkboard" charset="0"/>
+              </a:rPr>
+              <a:t>融合</a:t>
+            </a:r>
+            <a:endParaRPr lang="en-US" altLang="zh-CN" b="1">
               <a:solidFill>
                 <a:schemeClr val="accent2">
                   <a:lumMod val="75000"/>
@@ -4101,6 +4015,19 @@
             </a:endParaRPr>
           </a:p>
           <a:p>
+            <a:r>
+              <a:rPr lang="zh-CN" altLang="en-US">
+                <a:solidFill>
+                  <a:schemeClr val="bg2">
+                    <a:lumMod val="25000"/>
+                  </a:schemeClr>
+                </a:solidFill>
+                <a:latin typeface="Chalkboard" charset="0"/>
+                <a:ea typeface="Chalkboard" charset="0"/>
+                <a:cs typeface="Chalkboard" charset="0"/>
+              </a:rPr>
+              <a:t>集成</a:t>
+            </a:r>
             <a:r>
               <a:rPr lang="zh-CN" altLang="en-US" dirty="0">
                 <a:solidFill>
@@ -4112,7 +4039,7 @@
                 <a:ea typeface="Chalkboard" charset="0"/>
                 <a:cs typeface="Chalkboard" charset="0"/>
               </a:rPr>
-              <a:t>关于编码器</a:t>
+              <a:t>学习</a:t>
             </a:r>
             <a:endParaRPr lang="en-US" altLang="zh-CN" dirty="0">
               <a:solidFill>
@@ -4137,7 +4064,7 @@
                 <a:ea typeface="Chalkboard" charset="0"/>
                 <a:cs typeface="Chalkboard" charset="0"/>
               </a:rPr>
-              <a:t>案例分析：特征处理</a:t>
+              <a:t>代码分析</a:t>
             </a:r>
             <a:r>
               <a:rPr lang="zh-CN" altLang="en-US" b="1" dirty="0">
@@ -4148,7 +4075,7 @@
                 <a:ea typeface="Chalkboard" charset="0"/>
                 <a:cs typeface="Chalkboard" charset="0"/>
               </a:rPr>
-              <a:t>异视界</a:t>
+              <a:t>视界</a:t>
             </a:r>
             <a:endParaRPr lang="en-US" altLang="zh-CN" dirty="0">
               <a:solidFill>
